--- a/Afrah_Kulsum_AICTE_IBM_.pptx
+++ b/Afrah_Kulsum_AICTE_IBM_.pptx
@@ -704,7 +704,7 @@
           <p:cNvPr id="8" name="Date Placeholder 7">
             <a:extLst>
               <a:ext uri="{FF2B5EF4-FFF2-40B4-BE49-F238E27FC236}">
-                <a16:creationId xmlns="" xmlns:a16="http://schemas.microsoft.com/office/drawing/2014/main" id="{7FA0ACE7-29A8-47D3-A7D9-257B711D8023}"/>
+                <a16:creationId xmlns:a16="http://schemas.microsoft.com/office/drawing/2014/main" xmlns="" id="{7FA0ACE7-29A8-47D3-A7D9-257B711D8023}"/>
               </a:ext>
             </a:extLst>
           </p:cNvPr>
@@ -733,7 +733,7 @@
           <p:cNvPr id="9" name="Footer Placeholder 8">
             <a:extLst>
               <a:ext uri="{FF2B5EF4-FFF2-40B4-BE49-F238E27FC236}">
-                <a16:creationId xmlns="" xmlns:a16="http://schemas.microsoft.com/office/drawing/2014/main" id="{DEC604B9-52E9-4810-8359-47206518D038}"/>
+                <a16:creationId xmlns:a16="http://schemas.microsoft.com/office/drawing/2014/main" xmlns="" id="{DEC604B9-52E9-4810-8359-47206518D038}"/>
               </a:ext>
             </a:extLst>
           </p:cNvPr>
@@ -766,7 +766,7 @@
           <p:cNvPr id="10" name="Slide Number Placeholder 9">
             <a:extLst>
               <a:ext uri="{FF2B5EF4-FFF2-40B4-BE49-F238E27FC236}">
-                <a16:creationId xmlns="" xmlns:a16="http://schemas.microsoft.com/office/drawing/2014/main" id="{5898A89F-CA25-400F-B05A-AECBF2517E4F}"/>
+                <a16:creationId xmlns:a16="http://schemas.microsoft.com/office/drawing/2014/main" xmlns="" id="{5898A89F-CA25-400F-B05A-AECBF2517E4F}"/>
               </a:ext>
             </a:extLst>
           </p:cNvPr>
@@ -1152,7 +1152,7 @@
           <p:cNvPr id="8" name="Rectangle 7">
             <a:extLst>
               <a:ext uri="{FF2B5EF4-FFF2-40B4-BE49-F238E27FC236}">
-                <a16:creationId xmlns="" xmlns:a16="http://schemas.microsoft.com/office/drawing/2014/main" id="{F6423B97-A5D4-47B9-8861-73B3707A04CF}"/>
+                <a16:creationId xmlns:a16="http://schemas.microsoft.com/office/drawing/2014/main" xmlns="" id="{F6423B97-A5D4-47B9-8861-73B3707A04CF}"/>
               </a:ext>
             </a:extLst>
           </p:cNvPr>
@@ -1195,7 +1195,7 @@
           <p:cNvPr id="9" name="Rectangle 8">
             <a:extLst>
               <a:ext uri="{FF2B5EF4-FFF2-40B4-BE49-F238E27FC236}">
-                <a16:creationId xmlns="" xmlns:a16="http://schemas.microsoft.com/office/drawing/2014/main" id="{1AEC0421-37B4-4481-A10D-69FDF5EC7909}"/>
+                <a16:creationId xmlns:a16="http://schemas.microsoft.com/office/drawing/2014/main" xmlns="" id="{1AEC0421-37B4-4481-A10D-69FDF5EC7909}"/>
               </a:ext>
             </a:extLst>
           </p:cNvPr>
@@ -1238,7 +1238,7 @@
           <p:cNvPr id="10" name="Rectangle 9">
             <a:extLst>
               <a:ext uri="{FF2B5EF4-FFF2-40B4-BE49-F238E27FC236}">
-                <a16:creationId xmlns="" xmlns:a16="http://schemas.microsoft.com/office/drawing/2014/main" id="{5F7265B5-9F97-4F1E-99E9-74F7B7E62337}"/>
+                <a16:creationId xmlns:a16="http://schemas.microsoft.com/office/drawing/2014/main" xmlns="" id="{5F7265B5-9F97-4F1E-99E9-74F7B7E62337}"/>
               </a:ext>
             </a:extLst>
           </p:cNvPr>
@@ -1281,7 +1281,7 @@
           <p:cNvPr id="11" name="Date Placeholder 10">
             <a:extLst>
               <a:ext uri="{FF2B5EF4-FFF2-40B4-BE49-F238E27FC236}">
-                <a16:creationId xmlns="" xmlns:a16="http://schemas.microsoft.com/office/drawing/2014/main" id="{5C74A470-3BD3-4F33-80E5-67E6E87FCBE7}"/>
+                <a16:creationId xmlns:a16="http://schemas.microsoft.com/office/drawing/2014/main" xmlns="" id="{5C74A470-3BD3-4F33-80E5-67E6E87FCBE7}"/>
               </a:ext>
             </a:extLst>
           </p:cNvPr>
@@ -1310,7 +1310,7 @@
           <p:cNvPr id="12" name="Footer Placeholder 11">
             <a:extLst>
               <a:ext uri="{FF2B5EF4-FFF2-40B4-BE49-F238E27FC236}">
-                <a16:creationId xmlns="" xmlns:a16="http://schemas.microsoft.com/office/drawing/2014/main" id="{9A3A30BA-DB50-4D7D-BCDE-17D20FB354DF}"/>
+                <a16:creationId xmlns:a16="http://schemas.microsoft.com/office/drawing/2014/main" xmlns="" id="{9A3A30BA-DB50-4D7D-BCDE-17D20FB354DF}"/>
               </a:ext>
             </a:extLst>
           </p:cNvPr>
@@ -1343,7 +1343,7 @@
           <p:cNvPr id="13" name="Slide Number Placeholder 12">
             <a:extLst>
               <a:ext uri="{FF2B5EF4-FFF2-40B4-BE49-F238E27FC236}">
-                <a16:creationId xmlns="" xmlns:a16="http://schemas.microsoft.com/office/drawing/2014/main" id="{76FF9E58-C0B2-436B-A21C-DB45A00D6515}"/>
+                <a16:creationId xmlns:a16="http://schemas.microsoft.com/office/drawing/2014/main" xmlns="" id="{76FF9E58-C0B2-436B-A21C-DB45A00D6515}"/>
               </a:ext>
             </a:extLst>
           </p:cNvPr>
@@ -1485,7 +1485,7 @@
           <p:cNvPr id="8" name="Date Placeholder 7">
             <a:extLst>
               <a:ext uri="{FF2B5EF4-FFF2-40B4-BE49-F238E27FC236}">
-                <a16:creationId xmlns="" xmlns:a16="http://schemas.microsoft.com/office/drawing/2014/main" id="{770E6237-3456-439F-802D-3BA93FC7E3E5}"/>
+                <a16:creationId xmlns:a16="http://schemas.microsoft.com/office/drawing/2014/main" xmlns="" id="{770E6237-3456-439F-802D-3BA93FC7E3E5}"/>
               </a:ext>
             </a:extLst>
           </p:cNvPr>
@@ -1742,7 +1742,7 @@
           <p:cNvPr id="7" name="Date Placeholder 6">
             <a:extLst>
               <a:ext uri="{FF2B5EF4-FFF2-40B4-BE49-F238E27FC236}">
-                <a16:creationId xmlns="" xmlns:a16="http://schemas.microsoft.com/office/drawing/2014/main" id="{61582016-5696-4A93-887F-BBB3B9002FE5}"/>
+                <a16:creationId xmlns:a16="http://schemas.microsoft.com/office/drawing/2014/main" xmlns="" id="{61582016-5696-4A93-887F-BBB3B9002FE5}"/>
               </a:ext>
             </a:extLst>
           </p:cNvPr>
@@ -1771,7 +1771,7 @@
           <p:cNvPr id="9" name="Footer Placeholder 8">
             <a:extLst>
               <a:ext uri="{FF2B5EF4-FFF2-40B4-BE49-F238E27FC236}">
-                <a16:creationId xmlns="" xmlns:a16="http://schemas.microsoft.com/office/drawing/2014/main" id="{857CFCD5-1192-4E18-8A8F-29E153B44DA4}"/>
+                <a16:creationId xmlns:a16="http://schemas.microsoft.com/office/drawing/2014/main" xmlns="" id="{857CFCD5-1192-4E18-8A8F-29E153B44DA4}"/>
               </a:ext>
             </a:extLst>
           </p:cNvPr>
@@ -1804,7 +1804,7 @@
           <p:cNvPr id="10" name="Slide Number Placeholder 9">
             <a:extLst>
               <a:ext uri="{FF2B5EF4-FFF2-40B4-BE49-F238E27FC236}">
-                <a16:creationId xmlns="" xmlns:a16="http://schemas.microsoft.com/office/drawing/2014/main" id="{E39A109E-5018-4794-92B3-FD5E5BCD95E8}"/>
+                <a16:creationId xmlns:a16="http://schemas.microsoft.com/office/drawing/2014/main" xmlns="" id="{E39A109E-5018-4794-92B3-FD5E5BCD95E8}"/>
               </a:ext>
             </a:extLst>
           </p:cNvPr>
@@ -3038,7 +3038,7 @@
           <p:cNvPr id="8" name="Date Placeholder 7">
             <a:extLst>
               <a:ext uri="{FF2B5EF4-FFF2-40B4-BE49-F238E27FC236}">
-                <a16:creationId xmlns="" xmlns:a16="http://schemas.microsoft.com/office/drawing/2014/main" id="{0B919CC2-2A65-446F-B538-9E6249035445}"/>
+                <a16:creationId xmlns:a16="http://schemas.microsoft.com/office/drawing/2014/main" xmlns="" id="{0B919CC2-2A65-446F-B538-9E6249035445}"/>
               </a:ext>
             </a:extLst>
           </p:cNvPr>
@@ -3072,7 +3072,7 @@
           <p:cNvPr id="10" name="Footer Placeholder 9">
             <a:extLst>
               <a:ext uri="{FF2B5EF4-FFF2-40B4-BE49-F238E27FC236}">
-                <a16:creationId xmlns="" xmlns:a16="http://schemas.microsoft.com/office/drawing/2014/main" id="{B72412AE-119E-4982-8B24-63365EFCA796}"/>
+                <a16:creationId xmlns:a16="http://schemas.microsoft.com/office/drawing/2014/main" xmlns="" id="{B72412AE-119E-4982-8B24-63365EFCA796}"/>
               </a:ext>
             </a:extLst>
           </p:cNvPr>
@@ -3105,7 +3105,7 @@
           <p:cNvPr id="11" name="Slide Number Placeholder 10">
             <a:extLst>
               <a:ext uri="{FF2B5EF4-FFF2-40B4-BE49-F238E27FC236}">
-                <a16:creationId xmlns="" xmlns:a16="http://schemas.microsoft.com/office/drawing/2014/main" id="{7FC4BB19-6AD1-45CF-9F99-00B109890FAB}"/>
+                <a16:creationId xmlns:a16="http://schemas.microsoft.com/office/drawing/2014/main" xmlns="" id="{7FC4BB19-6AD1-45CF-9F99-00B109890FAB}"/>
               </a:ext>
             </a:extLst>
           </p:cNvPr>
@@ -3740,7 +3740,7 @@
           <p:cNvPr id="8" name="Picture 7" descr="Logo&#10;&#10;Description automatically generated">
             <a:extLst>
               <a:ext uri="{FF2B5EF4-FFF2-40B4-BE49-F238E27FC236}">
-                <a16:creationId xmlns="" xmlns:a16="http://schemas.microsoft.com/office/drawing/2014/main" id="{14A64E4D-8DED-7830-2955-1BE78C5B0655}"/>
+                <a16:creationId xmlns:a16="http://schemas.microsoft.com/office/drawing/2014/main" xmlns="" id="{14A64E4D-8DED-7830-2955-1BE78C5B0655}"/>
               </a:ext>
             </a:extLst>
           </p:cNvPr>
@@ -4205,7 +4205,7 @@
           <p:cNvPr id="2" name="Title 1">
             <a:extLst>
               <a:ext uri="{FF2B5EF4-FFF2-40B4-BE49-F238E27FC236}">
-                <a16:creationId xmlns="" xmlns:a16="http://schemas.microsoft.com/office/drawing/2014/main" id="{A8A11E26-4C38-41A6-9857-11032CEECD80}"/>
+                <a16:creationId xmlns:a16="http://schemas.microsoft.com/office/drawing/2014/main" xmlns="" id="{A8A11E26-4C38-41A6-9857-11032CEECD80}"/>
               </a:ext>
             </a:extLst>
           </p:cNvPr>
@@ -4518,7 +4518,7 @@
           <p:cNvPr id="3" name="Content Placeholder 2">
             <a:extLst>
               <a:ext uri="{FF2B5EF4-FFF2-40B4-BE49-F238E27FC236}">
-                <a16:creationId xmlns="" xmlns:a16="http://schemas.microsoft.com/office/drawing/2014/main" id="{A6638FD1-D00E-E75B-705C-564F06D93D7B}"/>
+                <a16:creationId xmlns:a16="http://schemas.microsoft.com/office/drawing/2014/main" xmlns="" id="{A6638FD1-D00E-E75B-705C-564F06D93D7B}"/>
               </a:ext>
             </a:extLst>
           </p:cNvPr>
@@ -4713,7 +4713,7 @@
           <p:cNvPr id="5" name="Title 4">
             <a:extLst>
               <a:ext uri="{FF2B5EF4-FFF2-40B4-BE49-F238E27FC236}">
-                <a16:creationId xmlns="" xmlns:a16="http://schemas.microsoft.com/office/drawing/2014/main" id="{3F968F13-9AC4-7120-7ACD-9F752C767D5D}"/>
+                <a16:creationId xmlns:a16="http://schemas.microsoft.com/office/drawing/2014/main" xmlns="" id="{3F968F13-9AC4-7120-7ACD-9F752C767D5D}"/>
               </a:ext>
             </a:extLst>
           </p:cNvPr>
@@ -4886,7 +4886,7 @@
           <p:cNvPr id="5" name="Title 4">
             <a:extLst>
               <a:ext uri="{FF2B5EF4-FFF2-40B4-BE49-F238E27FC236}">
-                <a16:creationId xmlns="" xmlns:a16="http://schemas.microsoft.com/office/drawing/2014/main" id="{8BE4CA82-64EC-4D4E-A5E5-3EBB66E7B24C}"/>
+                <a16:creationId xmlns:a16="http://schemas.microsoft.com/office/drawing/2014/main" xmlns="" id="{8BE4CA82-64EC-4D4E-A5E5-3EBB66E7B24C}"/>
               </a:ext>
             </a:extLst>
           </p:cNvPr>
@@ -4963,7 +4963,7 @@
           <p:cNvPr id="2" name="Title 1">
             <a:extLst>
               <a:ext uri="{FF2B5EF4-FFF2-40B4-BE49-F238E27FC236}">
-                <a16:creationId xmlns="" xmlns:a16="http://schemas.microsoft.com/office/drawing/2014/main" id="{49FFEB4C-F209-4AE7-AA2B-B3C26CE2C51D}"/>
+                <a16:creationId xmlns:a16="http://schemas.microsoft.com/office/drawing/2014/main" xmlns="" id="{49FFEB4C-F209-4AE7-AA2B-B3C26CE2C51D}"/>
               </a:ext>
             </a:extLst>
           </p:cNvPr>
@@ -5002,7 +5002,7 @@
           <p:cNvPr id="3" name="Content Placeholder 2">
             <a:extLst>
               <a:ext uri="{FF2B5EF4-FFF2-40B4-BE49-F238E27FC236}">
-                <a16:creationId xmlns="" xmlns:a16="http://schemas.microsoft.com/office/drawing/2014/main" id="{B2678641-EEA3-4EC4-BF39-4075B0C120E8}"/>
+                <a16:creationId xmlns:a16="http://schemas.microsoft.com/office/drawing/2014/main" xmlns="" id="{B2678641-EEA3-4EC4-BF39-4075B0C120E8}"/>
               </a:ext>
             </a:extLst>
           </p:cNvPr>
@@ -5207,7 +5207,7 @@
           <p:cNvPr id="5" name="Title 4">
             <a:extLst>
               <a:ext uri="{FF2B5EF4-FFF2-40B4-BE49-F238E27FC236}">
-                <a16:creationId xmlns="" xmlns:a16="http://schemas.microsoft.com/office/drawing/2014/main" id="{8FBA75B4-2DD5-42EB-9397-F36BFB8BA723}"/>
+                <a16:creationId xmlns:a16="http://schemas.microsoft.com/office/drawing/2014/main" xmlns="" id="{8FBA75B4-2DD5-42EB-9397-F36BFB8BA723}"/>
               </a:ext>
             </a:extLst>
           </p:cNvPr>
@@ -5374,7 +5374,7 @@
           <p:cNvPr id="5" name="Title 4">
             <a:extLst>
               <a:ext uri="{FF2B5EF4-FFF2-40B4-BE49-F238E27FC236}">
-                <a16:creationId xmlns="" xmlns:a16="http://schemas.microsoft.com/office/drawing/2014/main" id="{8FBA75B4-2DD5-42EB-9397-F36BFB8BA723}"/>
+                <a16:creationId xmlns:a16="http://schemas.microsoft.com/office/drawing/2014/main" xmlns="" id="{8FBA75B4-2DD5-42EB-9397-F36BFB8BA723}"/>
               </a:ext>
             </a:extLst>
           </p:cNvPr>
@@ -5418,8 +5418,8 @@
         </p:nvSpPr>
         <p:spPr bwMode="auto">
           <a:xfrm>
-            <a:off x="441326" y="1976708"/>
-            <a:ext cx="10935235" cy="3785652"/>
+            <a:off x="441326" y="1822820"/>
+            <a:ext cx="10935235" cy="4093428"/>
           </a:xfrm>
           <a:prstGeom prst="rect">
             <a:avLst/>
@@ -6093,6 +6093,54 @@
                 <a:cs typeface="Arial" panose="020B0604020202020204" pitchFamily="34" charset="0"/>
               </a:rPr>
               <a:t>VSCode</a:t>
+            </a:r>
+            <a:endParaRPr kumimoji="0" lang="en-US" sz="2000" b="0" i="0" u="none" strike="noStrike" cap="none" normalizeH="0" baseline="0" dirty="0" smtClean="0">
+              <a:ln>
+                <a:noFill/>
+              </a:ln>
+              <a:solidFill>
+                <a:schemeClr val="tx1"/>
+              </a:solidFill>
+              <a:effectLst/>
+              <a:latin typeface="Arial" panose="020B0604020202020204" pitchFamily="34" charset="0"/>
+              <a:cs typeface="Arial" panose="020B0604020202020204" pitchFamily="34" charset="0"/>
+            </a:endParaRPr>
+          </a:p>
+          <a:p>
+            <a:pPr lvl="0" defTabSz="914400" eaLnBrk="0" fontAlgn="base" hangingPunct="0">
+              <a:lnSpc>
+                <a:spcPct val="100000"/>
+              </a:lnSpc>
+              <a:spcBef>
+                <a:spcPct val="0"/>
+              </a:spcBef>
+              <a:spcAft>
+                <a:spcPct val="0"/>
+              </a:spcAft>
+              <a:buClrTx/>
+              <a:buSzTx/>
+              <a:buFont typeface="Wingdings" panose="05000000000000000000" pitchFamily="2" charset="2"/>
+              <a:buChar char="Ø"/>
+            </a:pPr>
+            <a:r>
+              <a:rPr lang="en-US" sz="2000" b="1" dirty="0">
+                <a:solidFill>
+                  <a:schemeClr val="tx1"/>
+                </a:solidFill>
+                <a:latin typeface="Arial" panose="020B0604020202020204" pitchFamily="34" charset="0"/>
+                <a:cs typeface="Arial" panose="020B0604020202020204" pitchFamily="34" charset="0"/>
+              </a:rPr>
+              <a:t>Platform</a:t>
+            </a:r>
+            <a:r>
+              <a:rPr lang="en-US" sz="2000" dirty="0">
+                <a:solidFill>
+                  <a:schemeClr val="tx1"/>
+                </a:solidFill>
+                <a:latin typeface="Arial" panose="020B0604020202020204" pitchFamily="34" charset="0"/>
+                <a:cs typeface="Arial" panose="020B0604020202020204" pitchFamily="34" charset="0"/>
+              </a:rPr>
+              <a:t>: Python (cross-platform)</a:t>
             </a:r>
             <a:endParaRPr kumimoji="0" lang="en-US" sz="2000" b="0" i="0" u="none" strike="noStrike" cap="none" normalizeH="0" baseline="0" dirty="0" smtClean="0">
               <a:ln>
@@ -6178,7 +6226,7 @@
           <p:cNvPr id="5" name="Title 4">
             <a:extLst>
               <a:ext uri="{FF2B5EF4-FFF2-40B4-BE49-F238E27FC236}">
-                <a16:creationId xmlns="" xmlns:a16="http://schemas.microsoft.com/office/drawing/2014/main" id="{8FBA75B4-2DD5-42EB-9397-F36BFB8BA723}"/>
+                <a16:creationId xmlns:a16="http://schemas.microsoft.com/office/drawing/2014/main" xmlns="" id="{8FBA75B4-2DD5-42EB-9397-F36BFB8BA723}"/>
               </a:ext>
             </a:extLst>
           </p:cNvPr>
@@ -6793,7 +6841,7 @@
           <p:cNvPr id="2" name="Title 1">
             <a:extLst>
               <a:ext uri="{FF2B5EF4-FFF2-40B4-BE49-F238E27FC236}">
-                <a16:creationId xmlns="" xmlns:a16="http://schemas.microsoft.com/office/drawing/2014/main" id="{5F45986D-DBC5-8220-FE6F-7F2ABC7C4CEE}"/>
+                <a16:creationId xmlns:a16="http://schemas.microsoft.com/office/drawing/2014/main" xmlns="" id="{5F45986D-DBC5-8220-FE6F-7F2ABC7C4CEE}"/>
               </a:ext>
             </a:extLst>
           </p:cNvPr>
@@ -7462,7 +7510,7 @@
           <p:cNvPr id="2" name="Title 1">
             <a:extLst>
               <a:ext uri="{FF2B5EF4-FFF2-40B4-BE49-F238E27FC236}">
-                <a16:creationId xmlns="" xmlns:a16="http://schemas.microsoft.com/office/drawing/2014/main" id="{FA4C6B3D-1072-C2D2-EBFE-E33CABE394D1}"/>
+                <a16:creationId xmlns:a16="http://schemas.microsoft.com/office/drawing/2014/main" xmlns="" id="{FA4C6B3D-1072-C2D2-EBFE-E33CABE394D1}"/>
               </a:ext>
             </a:extLst>
           </p:cNvPr>
@@ -7494,7 +7542,7 @@
           <p:cNvPr id="3" name="Content Placeholder 2">
             <a:extLst>
               <a:ext uri="{FF2B5EF4-FFF2-40B4-BE49-F238E27FC236}">
-                <a16:creationId xmlns="" xmlns:a16="http://schemas.microsoft.com/office/drawing/2014/main" id="{D4974547-DF1B-77BB-E545-9344EDB9AD3F}"/>
+                <a16:creationId xmlns:a16="http://schemas.microsoft.com/office/drawing/2014/main" xmlns="" id="{D4974547-DF1B-77BB-E545-9344EDB9AD3F}"/>
               </a:ext>
             </a:extLst>
           </p:cNvPr>
@@ -7585,7 +7633,7 @@
           <p:cNvPr id="2" name="Title 1">
             <a:extLst>
               <a:ext uri="{FF2B5EF4-FFF2-40B4-BE49-F238E27FC236}">
-                <a16:creationId xmlns="" xmlns:a16="http://schemas.microsoft.com/office/drawing/2014/main" id="{48E9F08C-D61F-627D-C4E5-397E3E84FC45}"/>
+                <a16:creationId xmlns:a16="http://schemas.microsoft.com/office/drawing/2014/main" xmlns="" id="{48E9F08C-D61F-627D-C4E5-397E3E84FC45}"/>
               </a:ext>
             </a:extLst>
           </p:cNvPr>
@@ -7617,7 +7665,7 @@
           <p:cNvPr id="3" name="Content Placeholder 2">
             <a:extLst>
               <a:ext uri="{FF2B5EF4-FFF2-40B4-BE49-F238E27FC236}">
-                <a16:creationId xmlns="" xmlns:a16="http://schemas.microsoft.com/office/drawing/2014/main" id="{51A299DD-46FA-7866-41D8-C1BFCC2F69DD}"/>
+                <a16:creationId xmlns:a16="http://schemas.microsoft.com/office/drawing/2014/main" xmlns="" id="{51A299DD-46FA-7866-41D8-C1BFCC2F69DD}"/>
               </a:ext>
             </a:extLst>
           </p:cNvPr>
@@ -7634,7 +7682,9 @@
           <a:lstStyle/>
           <a:p>
             <a:r>
-              <a:rPr lang="en-IN" dirty="0"/>
+              <a:rPr lang="en-IN" dirty="0">
+                <a:hlinkClick r:id="rId2"/>
+              </a:rPr>
               <a:t>https://github.com/Afra-25/AICTE_IBM_INTERN_PROJECT.git</a:t>
             </a:r>
             <a:endParaRPr lang="en-IN" dirty="0"/>
@@ -8235,6 +8285,14 @@
 </file>
 
 <file path=customXml/item2.xml><?xml version="1.0" encoding="utf-8"?>
+<p:properties xmlns:p="http://schemas.microsoft.com/office/2006/metadata/properties" xmlns:xsi="http://www.w3.org/2001/XMLSchema-instance" xmlns:pc="http://schemas.microsoft.com/office/infopath/2007/PartnerControls">
+  <documentManagement>
+    <_activity xmlns="b30265f8-c5e2-4918-b4a1-b977299ca3e2" xsi:nil="true"/>
+  </documentManagement>
+</p:properties>
+</file>
+
+<file path=customXml/item3.xml><?xml version="1.0" encoding="utf-8"?>
 <ct:contentTypeSchema xmlns:ct="http://schemas.microsoft.com/office/2006/metadata/contentType" xmlns:ma="http://schemas.microsoft.com/office/2006/metadata/properties/metaAttributes" ct:_="" ma:_="" ma:contentTypeName="Document" ma:contentTypeID="0x0101007F0268AC5E70984D8FE60B7154176407" ma:contentTypeVersion="15" ma:contentTypeDescription="Create a new document." ma:contentTypeScope="" ma:versionID="104e359103f0f57b1cf9676756e5b944">
   <xsd:schema xmlns:xsd="http://www.w3.org/2001/XMLSchema" xmlns:xs="http://www.w3.org/2001/XMLSchema" xmlns:p="http://schemas.microsoft.com/office/2006/metadata/properties" xmlns:ns3="b30265f8-c5e2-4918-b4a1-b977299ca3e2" xmlns:ns4="fadb41d3-f9cb-40fb-903c-8cacaba95bb5" targetNamespace="http://schemas.microsoft.com/office/2006/metadata/properties" ma:root="true" ma:fieldsID="5615b8f8aa772998bad551f24a33de0e" ns3:_="" ns4:_="">
     <xsd:import namespace="b30265f8-c5e2-4918-b4a1-b977299ca3e2"/>
@@ -8467,14 +8525,6 @@
 </ct:contentTypeSchema>
 </file>
 
-<file path=customXml/item3.xml><?xml version="1.0" encoding="utf-8"?>
-<p:properties xmlns:p="http://schemas.microsoft.com/office/2006/metadata/properties" xmlns:xsi="http://www.w3.org/2001/XMLSchema-instance" xmlns:pc="http://schemas.microsoft.com/office/infopath/2007/PartnerControls">
-  <documentManagement>
-    <_activity xmlns="b30265f8-c5e2-4918-b4a1-b977299ca3e2" xsi:nil="true"/>
-  </documentManagement>
-</p:properties>
-</file>
-
 <file path=customXml/itemProps1.xml><?xml version="1.0" encoding="utf-8"?>
 <ds:datastoreItem xmlns:ds="http://schemas.openxmlformats.org/officeDocument/2006/customXml" ds:itemID="{927BD4C1-B6B1-4715-ABF9-E660A51A4EA0}">
   <ds:schemaRefs>
@@ -8484,6 +8534,23 @@
 </file>
 
 <file path=customXml/itemProps2.xml><?xml version="1.0" encoding="utf-8"?>
+<ds:datastoreItem xmlns:ds="http://schemas.openxmlformats.org/officeDocument/2006/customXml" ds:itemID="{8D289AE2-D2AE-49D1-AFAC-3A79F6794255}">
+  <ds:schemaRefs>
+    <ds:schemaRef ds:uri="http://schemas.microsoft.com/office/infopath/2007/PartnerControls"/>
+    <ds:schemaRef ds:uri="http://purl.org/dc/dcmitype/"/>
+    <ds:schemaRef ds:uri="b30265f8-c5e2-4918-b4a1-b977299ca3e2"/>
+    <ds:schemaRef ds:uri="http://schemas.microsoft.com/office/2006/metadata/properties"/>
+    <ds:schemaRef ds:uri="http://purl.org/dc/terms/"/>
+    <ds:schemaRef ds:uri="http://purl.org/dc/elements/1.1/"/>
+    <ds:schemaRef ds:uri="http://schemas.microsoft.com/office/2006/documentManagement/types"/>
+    <ds:schemaRef ds:uri="http://schemas.openxmlformats.org/package/2006/metadata/core-properties"/>
+    <ds:schemaRef ds:uri="fadb41d3-f9cb-40fb-903c-8cacaba95bb5"/>
+    <ds:schemaRef ds:uri="http://www.w3.org/XML/1998/namespace"/>
+  </ds:schemaRefs>
+</ds:datastoreItem>
+</file>
+
+<file path=customXml/itemProps3.xml><?xml version="1.0" encoding="utf-8"?>
 <ds:datastoreItem xmlns:ds="http://schemas.openxmlformats.org/officeDocument/2006/customXml" ds:itemID="{9DD71778-17EE-4151-88AE-C8F4E8043BD9}">
   <ds:schemaRefs>
     <ds:schemaRef ds:uri="http://schemas.microsoft.com/office/2006/metadata/contentType"/>
@@ -8500,21 +8567,4 @@
     <ds:schemaRef ds:uri="http://schemas.microsoft.com/internal/obd"/>
   </ds:schemaRefs>
 </ds:datastoreItem>
-</file>
-
-<file path=customXml/itemProps3.xml><?xml version="1.0" encoding="utf-8"?>
-<ds:datastoreItem xmlns:ds="http://schemas.openxmlformats.org/officeDocument/2006/customXml" ds:itemID="{8D289AE2-D2AE-49D1-AFAC-3A79F6794255}">
-  <ds:schemaRefs>
-    <ds:schemaRef ds:uri="http://schemas.microsoft.com/office/infopath/2007/PartnerControls"/>
-    <ds:schemaRef ds:uri="http://purl.org/dc/dcmitype/"/>
-    <ds:schemaRef ds:uri="b30265f8-c5e2-4918-b4a1-b977299ca3e2"/>
-    <ds:schemaRef ds:uri="http://schemas.microsoft.com/office/2006/metadata/properties"/>
-    <ds:schemaRef ds:uri="http://purl.org/dc/terms/"/>
-    <ds:schemaRef ds:uri="http://purl.org/dc/elements/1.1/"/>
-    <ds:schemaRef ds:uri="http://schemas.microsoft.com/office/2006/documentManagement/types"/>
-    <ds:schemaRef ds:uri="http://schemas.openxmlformats.org/package/2006/metadata/core-properties"/>
-    <ds:schemaRef ds:uri="fadb41d3-f9cb-40fb-903c-8cacaba95bb5"/>
-    <ds:schemaRef ds:uri="http://www.w3.org/XML/1998/namespace"/>
-  </ds:schemaRefs>
-</ds:datastoreItem>
 </file>